--- a/IdeaFolder/제출 자료/냠냠쩝쩝_05_발표자료.pptx
+++ b/IdeaFolder/제출 자료/냠냠쩝쩝_05_발표자료.pptx
@@ -12949,6 +12949,34 @@
               </a:lnSpc>
               <a:defRPr/>
             </a:pPr>
+            <a:r>
+              <a:rPr lang="en-US" altLang="ko-KR" sz="1400">
+                <a:solidFill>
+                  <a:schemeClr val="tx1">
+                    <a:lumMod val="65000"/>
+                    <a:lumOff val="35000"/>
+                  </a:schemeClr>
+                </a:solidFill>
+                <a:latin typeface="210 옴니고딕OTF 020" panose="02020503020101020101" pitchFamily="18" charset="-127"/>
+                <a:ea typeface="210 옴니고딕OTF 020" panose="02020503020101020101" pitchFamily="18" charset="-127"/>
+                <a:cs typeface="Tahoma" panose="020B0604030504040204" pitchFamily="34" charset="0"/>
+              </a:rPr>
+              <a:t>2016112546 </a:t>
+            </a:r>
+            <a:r>
+              <a:rPr lang="ko-KR" altLang="en-US" sz="1400">
+                <a:solidFill>
+                  <a:schemeClr val="tx1">
+                    <a:lumMod val="65000"/>
+                    <a:lumOff val="35000"/>
+                  </a:schemeClr>
+                </a:solidFill>
+                <a:latin typeface="210 옴니고딕OTF 020" panose="02020503020101020101" pitchFamily="18" charset="-127"/>
+                <a:ea typeface="210 옴니고딕OTF 020" panose="02020503020101020101" pitchFamily="18" charset="-127"/>
+                <a:cs typeface="Tahoma" panose="020B0604030504040204" pitchFamily="34" charset="0"/>
+              </a:rPr>
+              <a:t>조성우</a:t>
+            </a:r>
             <a:endParaRPr lang="en-US" altLang="ko-KR" sz="1400">
               <a:solidFill>
                 <a:schemeClr val="tx1">
@@ -14421,13 +14449,13 @@
   <p:clrMapOvr>
     <a:masterClrMapping/>
   </p:clrMapOvr>
-  <mc:AlternateContent xmlns:mc="http://schemas.openxmlformats.org/markup-compatibility/2006">
-    <mc:Choice xmlns:p14="http://schemas.microsoft.com/office/powerpoint/2010/main" Requires="p14">
+  <mc:AlternateContent xmlns:mc="http://schemas.openxmlformats.org/markup-compatibility/2006" xmlns:p14="http://schemas.microsoft.com/office/powerpoint/2010/main">
+    <mc:Choice Requires="p14">
       <p:transition spd="med" p14:dur="700">
         <p:fade/>
       </p:transition>
     </mc:Choice>
-    <mc:Fallback>
+    <mc:Fallback xmlns="">
       <p:transition spd="med">
         <p:fade/>
       </p:transition>
@@ -26425,13 +26453,13 @@
   <p:clrMapOvr>
     <a:masterClrMapping/>
   </p:clrMapOvr>
-  <mc:AlternateContent xmlns:mc="http://schemas.openxmlformats.org/markup-compatibility/2006">
-    <mc:Choice xmlns:p14="http://schemas.microsoft.com/office/powerpoint/2010/main" Requires="p14">
+  <mc:AlternateContent xmlns:mc="http://schemas.openxmlformats.org/markup-compatibility/2006" xmlns:p14="http://schemas.microsoft.com/office/powerpoint/2010/main">
+    <mc:Choice Requires="p14">
       <p:transition spd="med" p14:dur="700">
         <p:fade/>
       </p:transition>
     </mc:Choice>
-    <mc:Fallback>
+    <mc:Fallback xmlns="">
       <p:transition spd="med">
         <p:fade/>
       </p:transition>
